--- a/Chap/Start/Presentations/SW-Intro2022.pptx
+++ b/Chap/Start/Presentations/SW-Intro2022.pptx
@@ -117,6 +117,11 @@
       </a:defRPr>
     </a:lvl9pPr>
   </p:defaultTextStyle>
+  <p:extLst>
+    <p:ext uri="{EFAFB233-063F-42B5-8137-9DF3F51BA10A}">
+      <p15:sldGuideLst xmlns:p15="http://schemas.microsoft.com/office/powerpoint/2012/main"/>
+    </p:ext>
+  </p:extLst>
 </p:presentation>
 </file>
 
@@ -267,7 +272,7 @@
           <a:p>
             <a:fld id="{6285FD6E-8084-4FB8-B48F-0BFD4B18D345}" type="datetimeFigureOut">
               <a:rPr lang="da-DK" smtClean="0"/>
-              <a:t>13-08-2022</a:t>
+              <a:t>04-09-2022</a:t>
             </a:fld>
             <a:endParaRPr lang="da-DK"/>
           </a:p>
@@ -465,7 +470,7 @@
           <a:p>
             <a:fld id="{6285FD6E-8084-4FB8-B48F-0BFD4B18D345}" type="datetimeFigureOut">
               <a:rPr lang="da-DK" smtClean="0"/>
-              <a:t>13-08-2022</a:t>
+              <a:t>04-09-2022</a:t>
             </a:fld>
             <a:endParaRPr lang="da-DK"/>
           </a:p>
@@ -673,7 +678,7 @@
           <a:p>
             <a:fld id="{6285FD6E-8084-4FB8-B48F-0BFD4B18D345}" type="datetimeFigureOut">
               <a:rPr lang="da-DK" smtClean="0"/>
-              <a:t>13-08-2022</a:t>
+              <a:t>04-09-2022</a:t>
             </a:fld>
             <a:endParaRPr lang="da-DK"/>
           </a:p>
@@ -871,7 +876,7 @@
           <a:p>
             <a:fld id="{6285FD6E-8084-4FB8-B48F-0BFD4B18D345}" type="datetimeFigureOut">
               <a:rPr lang="da-DK" smtClean="0"/>
-              <a:t>13-08-2022</a:t>
+              <a:t>04-09-2022</a:t>
             </a:fld>
             <a:endParaRPr lang="da-DK"/>
           </a:p>
@@ -1146,7 +1151,7 @@
           <a:p>
             <a:fld id="{6285FD6E-8084-4FB8-B48F-0BFD4B18D345}" type="datetimeFigureOut">
               <a:rPr lang="da-DK" smtClean="0"/>
-              <a:t>13-08-2022</a:t>
+              <a:t>04-09-2022</a:t>
             </a:fld>
             <a:endParaRPr lang="da-DK"/>
           </a:p>
@@ -1411,7 +1416,7 @@
           <a:p>
             <a:fld id="{6285FD6E-8084-4FB8-B48F-0BFD4B18D345}" type="datetimeFigureOut">
               <a:rPr lang="da-DK" smtClean="0"/>
-              <a:t>13-08-2022</a:t>
+              <a:t>04-09-2022</a:t>
             </a:fld>
             <a:endParaRPr lang="da-DK"/>
           </a:p>
@@ -1823,7 +1828,7 @@
           <a:p>
             <a:fld id="{6285FD6E-8084-4FB8-B48F-0BFD4B18D345}" type="datetimeFigureOut">
               <a:rPr lang="da-DK" smtClean="0"/>
-              <a:t>13-08-2022</a:t>
+              <a:t>04-09-2022</a:t>
             </a:fld>
             <a:endParaRPr lang="da-DK"/>
           </a:p>
@@ -1964,7 +1969,7 @@
           <a:p>
             <a:fld id="{6285FD6E-8084-4FB8-B48F-0BFD4B18D345}" type="datetimeFigureOut">
               <a:rPr lang="da-DK" smtClean="0"/>
-              <a:t>13-08-2022</a:t>
+              <a:t>04-09-2022</a:t>
             </a:fld>
             <a:endParaRPr lang="da-DK"/>
           </a:p>
@@ -2077,7 +2082,7 @@
           <a:p>
             <a:fld id="{6285FD6E-8084-4FB8-B48F-0BFD4B18D345}" type="datetimeFigureOut">
               <a:rPr lang="da-DK" smtClean="0"/>
-              <a:t>13-08-2022</a:t>
+              <a:t>04-09-2022</a:t>
             </a:fld>
             <a:endParaRPr lang="da-DK"/>
           </a:p>
@@ -2388,7 +2393,7 @@
           <a:p>
             <a:fld id="{6285FD6E-8084-4FB8-B48F-0BFD4B18D345}" type="datetimeFigureOut">
               <a:rPr lang="da-DK" smtClean="0"/>
-              <a:t>13-08-2022</a:t>
+              <a:t>04-09-2022</a:t>
             </a:fld>
             <a:endParaRPr lang="da-DK"/>
           </a:p>
@@ -2676,7 +2681,7 @@
           <a:p>
             <a:fld id="{6285FD6E-8084-4FB8-B48F-0BFD4B18D345}" type="datetimeFigureOut">
               <a:rPr lang="da-DK" smtClean="0"/>
-              <a:t>13-08-2022</a:t>
+              <a:t>04-09-2022</a:t>
             </a:fld>
             <a:endParaRPr lang="da-DK"/>
           </a:p>
@@ -2917,7 +2922,7 @@
           <a:p>
             <a:fld id="{6285FD6E-8084-4FB8-B48F-0BFD4B18D345}" type="datetimeFigureOut">
               <a:rPr lang="da-DK" smtClean="0"/>
-              <a:t>13-08-2022</a:t>
+              <a:t>04-09-2022</a:t>
             </a:fld>
             <a:endParaRPr lang="da-DK"/>
           </a:p>
@@ -4046,13 +4051,13 @@
   <p:clrMapOvr>
     <a:masterClrMapping/>
   </p:clrMapOvr>
-  <mc:AlternateContent xmlns:mc="http://schemas.openxmlformats.org/markup-compatibility/2006">
-    <mc:Choice xmlns:p14="http://schemas.microsoft.com/office/powerpoint/2010/main" Requires="p14">
+  <mc:AlternateContent xmlns:mc="http://schemas.openxmlformats.org/markup-compatibility/2006" xmlns:p14="http://schemas.microsoft.com/office/powerpoint/2010/main">
+    <mc:Choice Requires="p14">
       <p:transition spd="med" p14:dur="700">
         <p:fade/>
       </p:transition>
     </mc:Choice>
-    <mc:Fallback>
+    <mc:Fallback xmlns="">
       <p:transition spd="med">
         <p:fade/>
       </p:transition>
@@ -4794,13 +4799,13 @@
   <p:clrMapOvr>
     <a:masterClrMapping/>
   </p:clrMapOvr>
-  <mc:AlternateContent xmlns:mc="http://schemas.openxmlformats.org/markup-compatibility/2006">
-    <mc:Choice xmlns:p14="http://schemas.microsoft.com/office/powerpoint/2010/main" Requires="p14">
+  <mc:AlternateContent xmlns:mc="http://schemas.openxmlformats.org/markup-compatibility/2006" xmlns:p14="http://schemas.microsoft.com/office/powerpoint/2010/main">
+    <mc:Choice Requires="p14">
       <p:transition spd="med" p14:dur="700">
         <p:fade/>
       </p:transition>
     </mc:Choice>
-    <mc:Fallback>
+    <mc:Fallback xmlns="">
       <p:transition spd="med">
         <p:fade/>
       </p:transition>
@@ -5501,13 +5506,13 @@
   <p:clrMapOvr>
     <a:masterClrMapping/>
   </p:clrMapOvr>
-  <mc:AlternateContent xmlns:mc="http://schemas.openxmlformats.org/markup-compatibility/2006">
-    <mc:Choice xmlns:p14="http://schemas.microsoft.com/office/powerpoint/2010/main" Requires="p14">
+  <mc:AlternateContent xmlns:mc="http://schemas.openxmlformats.org/markup-compatibility/2006" xmlns:p14="http://schemas.microsoft.com/office/powerpoint/2010/main">
+    <mc:Choice Requires="p14">
       <p:transition spd="med" p14:dur="700">
         <p:fade/>
       </p:transition>
     </mc:Choice>
-    <mc:Fallback>
+    <mc:Fallback xmlns="">
       <p:transition spd="med">
         <p:fade/>
       </p:transition>
@@ -6197,13 +6202,13 @@
   <p:clrMapOvr>
     <a:masterClrMapping/>
   </p:clrMapOvr>
-  <mc:AlternateContent xmlns:mc="http://schemas.openxmlformats.org/markup-compatibility/2006">
-    <mc:Choice xmlns:p14="http://schemas.microsoft.com/office/powerpoint/2010/main" Requires="p14">
+  <mc:AlternateContent xmlns:mc="http://schemas.openxmlformats.org/markup-compatibility/2006" xmlns:p14="http://schemas.microsoft.com/office/powerpoint/2010/main">
+    <mc:Choice Requires="p14">
       <p:transition spd="med" p14:dur="700">
         <p:fade/>
       </p:transition>
     </mc:Choice>
-    <mc:Fallback>
+    <mc:Fallback xmlns="">
       <p:transition spd="med">
         <p:fade/>
       </p:transition>
@@ -6957,13 +6962,13 @@
   <p:clrMapOvr>
     <a:masterClrMapping/>
   </p:clrMapOvr>
-  <mc:AlternateContent xmlns:mc="http://schemas.openxmlformats.org/markup-compatibility/2006">
-    <mc:Choice xmlns:p14="http://schemas.microsoft.com/office/powerpoint/2010/main" Requires="p14">
+  <mc:AlternateContent xmlns:mc="http://schemas.openxmlformats.org/markup-compatibility/2006" xmlns:p14="http://schemas.microsoft.com/office/powerpoint/2010/main">
+    <mc:Choice Requires="p14">
       <p:transition spd="med" p14:dur="700">
         <p:fade/>
       </p:transition>
     </mc:Choice>
-    <mc:Fallback>
+    <mc:Fallback xmlns="">
       <p:transition spd="med">
         <p:fade/>
       </p:transition>
@@ -7492,13 +7497,13 @@
   <p:clrMapOvr>
     <a:masterClrMapping/>
   </p:clrMapOvr>
-  <mc:AlternateContent xmlns:mc="http://schemas.openxmlformats.org/markup-compatibility/2006">
-    <mc:Choice xmlns:p14="http://schemas.microsoft.com/office/powerpoint/2010/main" Requires="p14">
+  <mc:AlternateContent xmlns:mc="http://schemas.openxmlformats.org/markup-compatibility/2006" xmlns:p14="http://schemas.microsoft.com/office/powerpoint/2010/main">
+    <mc:Choice Requires="p14">
       <p:transition spd="med" p14:dur="700">
         <p:fade/>
       </p:transition>
     </mc:Choice>
-    <mc:Fallback>
+    <mc:Fallback xmlns="">
       <p:transition spd="med">
         <p:fade/>
       </p:transition>
@@ -8189,13 +8194,13 @@
   <p:clrMapOvr>
     <a:masterClrMapping/>
   </p:clrMapOvr>
-  <mc:AlternateContent xmlns:mc="http://schemas.openxmlformats.org/markup-compatibility/2006">
-    <mc:Choice xmlns:p14="http://schemas.microsoft.com/office/powerpoint/2010/main" Requires="p14">
+  <mc:AlternateContent xmlns:mc="http://schemas.openxmlformats.org/markup-compatibility/2006" xmlns:p14="http://schemas.microsoft.com/office/powerpoint/2010/main">
+    <mc:Choice Requires="p14">
       <p:transition spd="med" p14:dur="700">
         <p:fade/>
       </p:transition>
     </mc:Choice>
-    <mc:Fallback>
+    <mc:Fallback xmlns="">
       <p:transition spd="med">
         <p:fade/>
       </p:transition>
@@ -8832,7 +8837,7 @@
             </a:r>
             <a:r>
               <a:rPr lang="da-DK" sz="2200" dirty="0"/>
-              <a:t> it…</a:t>
+              <a:t> it…?</a:t>
             </a:r>
           </a:p>
         </p:txBody>
@@ -8847,13 +8852,13 @@
   <p:clrMapOvr>
     <a:masterClrMapping/>
   </p:clrMapOvr>
-  <mc:AlternateContent xmlns:mc="http://schemas.openxmlformats.org/markup-compatibility/2006">
-    <mc:Choice xmlns:p14="http://schemas.microsoft.com/office/powerpoint/2010/main" Requires="p14">
+  <mc:AlternateContent xmlns:mc="http://schemas.openxmlformats.org/markup-compatibility/2006" xmlns:p14="http://schemas.microsoft.com/office/powerpoint/2010/main">
+    <mc:Choice Requires="p14">
       <p:transition spd="med" p14:dur="700">
         <p:fade/>
       </p:transition>
     </mc:Choice>
-    <mc:Fallback>
+    <mc:Fallback xmlns="">
       <p:transition spd="med">
         <p:fade/>
       </p:transition>
@@ -9374,13 +9379,13 @@
   <p:clrMapOvr>
     <a:masterClrMapping/>
   </p:clrMapOvr>
-  <mc:AlternateContent xmlns:mc="http://schemas.openxmlformats.org/markup-compatibility/2006">
-    <mc:Choice xmlns:p14="http://schemas.microsoft.com/office/powerpoint/2010/main" Requires="p14">
+  <mc:AlternateContent xmlns:mc="http://schemas.openxmlformats.org/markup-compatibility/2006" xmlns:p14="http://schemas.microsoft.com/office/powerpoint/2010/main">
+    <mc:Choice Requires="p14">
       <p:transition spd="med" p14:dur="700">
         <p:fade/>
       </p:transition>
     </mc:Choice>
-    <mc:Fallback>
+    <mc:Fallback xmlns="">
       <p:transition spd="med">
         <p:fade/>
       </p:transition>
@@ -10043,13 +10048,13 @@
   <p:clrMapOvr>
     <a:masterClrMapping/>
   </p:clrMapOvr>
-  <mc:AlternateContent xmlns:mc="http://schemas.openxmlformats.org/markup-compatibility/2006">
-    <mc:Choice xmlns:p14="http://schemas.microsoft.com/office/powerpoint/2010/main" Requires="p14">
+  <mc:AlternateContent xmlns:mc="http://schemas.openxmlformats.org/markup-compatibility/2006" xmlns:p14="http://schemas.microsoft.com/office/powerpoint/2010/main">
+    <mc:Choice Requires="p14">
       <p:transition spd="med" p14:dur="700">
         <p:fade/>
       </p:transition>
     </mc:Choice>
-    <mc:Fallback>
+    <mc:Fallback xmlns="">
       <p:transition spd="med">
         <p:fade/>
       </p:transition>
@@ -10554,13 +10559,13 @@
   <p:clrMapOvr>
     <a:masterClrMapping/>
   </p:clrMapOvr>
-  <mc:AlternateContent xmlns:mc="http://schemas.openxmlformats.org/markup-compatibility/2006">
-    <mc:Choice xmlns:p14="http://schemas.microsoft.com/office/powerpoint/2010/main" Requires="p14">
+  <mc:AlternateContent xmlns:mc="http://schemas.openxmlformats.org/markup-compatibility/2006" xmlns:p14="http://schemas.microsoft.com/office/powerpoint/2010/main">
+    <mc:Choice Requires="p14">
       <p:transition spd="med" p14:dur="700">
         <p:fade/>
       </p:transition>
     </mc:Choice>
-    <mc:Fallback>
+    <mc:Fallback xmlns="">
       <p:transition spd="med">
         <p:fade/>
       </p:transition>
@@ -11271,13 +11276,13 @@
   <p:clrMapOvr>
     <a:masterClrMapping/>
   </p:clrMapOvr>
-  <mc:AlternateContent xmlns:mc="http://schemas.openxmlformats.org/markup-compatibility/2006">
-    <mc:Choice xmlns:p14="http://schemas.microsoft.com/office/powerpoint/2010/main" Requires="p14">
+  <mc:AlternateContent xmlns:mc="http://schemas.openxmlformats.org/markup-compatibility/2006" xmlns:p14="http://schemas.microsoft.com/office/powerpoint/2010/main">
+    <mc:Choice Requires="p14">
       <p:transition spd="med" p14:dur="700">
         <p:fade/>
       </p:transition>
     </mc:Choice>
-    <mc:Fallback>
+    <mc:Fallback xmlns="">
       <p:transition spd="med">
         <p:fade/>
       </p:transition>
@@ -13103,13 +13108,13 @@
   <p:clrMapOvr>
     <a:masterClrMapping/>
   </p:clrMapOvr>
-  <mc:AlternateContent xmlns:mc="http://schemas.openxmlformats.org/markup-compatibility/2006">
-    <mc:Choice xmlns:p14="http://schemas.microsoft.com/office/powerpoint/2010/main" Requires="p14">
+  <mc:AlternateContent xmlns:mc="http://schemas.openxmlformats.org/markup-compatibility/2006" xmlns:p14="http://schemas.microsoft.com/office/powerpoint/2010/main">
+    <mc:Choice Requires="p14">
       <p:transition spd="med" p14:dur="700">
         <p:fade/>
       </p:transition>
     </mc:Choice>
-    <mc:Fallback>
+    <mc:Fallback xmlns="">
       <p:transition spd="med">
         <p:fade/>
       </p:transition>
